--- a/Django Features and Libraries/week5/TmnVNj9TQwCp1TY_UyMAaw_d6da9e504f1a400da992186a3d2818d9_C3-Week5.pptx
+++ b/Django Features and Libraries/week5/TmnVNj9TQwCp1TY_UyMAaw_d6da9e504f1a400da992186a3d2818d9_C3-Week5.pptx
@@ -223,7 +223,7 @@
           <a:p>
             <a:fld id="{C97B56FC-7D2E-F343-9D09-0D14B00AA564}" type="datetimeFigureOut">
               <a:rPr lang="en-US" smtClean="0"/>
-              <a:t>7/9/20</a:t>
+              <a:t>8/22/2021</a:t>
             </a:fld>
             <a:endParaRPr lang="en-US"/>
           </a:p>
@@ -2281,7 +2281,7 @@
           <a:p>
             <a:fld id="{EEE7C04C-7AF8-1445-A186-502B631B934F}" type="datetimeFigureOut">
               <a:rPr lang="en-US" smtClean="0"/>
-              <a:t>7/9/20</a:t>
+              <a:t>8/22/2021</a:t>
             </a:fld>
             <a:endParaRPr lang="en-US"/>
           </a:p>
@@ -2446,7 +2446,7 @@
           <a:p>
             <a:fld id="{EEE7C04C-7AF8-1445-A186-502B631B934F}" type="datetimeFigureOut">
               <a:rPr lang="en-US" smtClean="0"/>
-              <a:t>7/9/20</a:t>
+              <a:t>8/22/2021</a:t>
             </a:fld>
             <a:endParaRPr lang="en-US"/>
           </a:p>
@@ -2621,7 +2621,7 @@
           <a:p>
             <a:fld id="{EEE7C04C-7AF8-1445-A186-502B631B934F}" type="datetimeFigureOut">
               <a:rPr lang="en-US" smtClean="0"/>
-              <a:t>7/9/20</a:t>
+              <a:t>8/22/2021</a:t>
             </a:fld>
             <a:endParaRPr lang="en-US"/>
           </a:p>
@@ -2929,7 +2929,7 @@
           <a:p>
             <a:fld id="{EEE7C04C-7AF8-1445-A186-502B631B934F}" type="datetimeFigureOut">
               <a:rPr lang="en-US" smtClean="0"/>
-              <a:t>7/9/20</a:t>
+              <a:t>8/22/2021</a:t>
             </a:fld>
             <a:endParaRPr lang="en-US"/>
           </a:p>
@@ -3170,7 +3170,7 @@
           <a:p>
             <a:fld id="{EEE7C04C-7AF8-1445-A186-502B631B934F}" type="datetimeFigureOut">
               <a:rPr lang="en-US" smtClean="0"/>
-              <a:t>7/9/20</a:t>
+              <a:t>8/22/2021</a:t>
             </a:fld>
             <a:endParaRPr lang="en-US"/>
           </a:p>
@@ -3397,7 +3397,7 @@
           <a:p>
             <a:fld id="{EEE7C04C-7AF8-1445-A186-502B631B934F}" type="datetimeFigureOut">
               <a:rPr lang="en-US" smtClean="0"/>
-              <a:t>7/9/20</a:t>
+              <a:t>8/22/2021</a:t>
             </a:fld>
             <a:endParaRPr lang="en-US"/>
           </a:p>
@@ -3759,7 +3759,7 @@
           <a:p>
             <a:fld id="{EEE7C04C-7AF8-1445-A186-502B631B934F}" type="datetimeFigureOut">
               <a:rPr lang="en-US" smtClean="0"/>
-              <a:t>7/9/20</a:t>
+              <a:t>8/22/2021</a:t>
             </a:fld>
             <a:endParaRPr lang="en-US"/>
           </a:p>
@@ -3872,7 +3872,7 @@
           <a:p>
             <a:fld id="{EEE7C04C-7AF8-1445-A186-502B631B934F}" type="datetimeFigureOut">
               <a:rPr lang="en-US" smtClean="0"/>
-              <a:t>7/9/20</a:t>
+              <a:t>8/22/2021</a:t>
             </a:fld>
             <a:endParaRPr lang="en-US"/>
           </a:p>
@@ -3962,7 +3962,7 @@
           <a:p>
             <a:fld id="{EEE7C04C-7AF8-1445-A186-502B631B934F}" type="datetimeFigureOut">
               <a:rPr lang="en-US" smtClean="0"/>
-              <a:t>7/9/20</a:t>
+              <a:t>8/22/2021</a:t>
             </a:fld>
             <a:endParaRPr lang="en-US"/>
           </a:p>
@@ -4234,7 +4234,7 @@
           <a:p>
             <a:fld id="{EEE7C04C-7AF8-1445-A186-502B631B934F}" type="datetimeFigureOut">
               <a:rPr lang="en-US" smtClean="0"/>
-              <a:t>7/9/20</a:t>
+              <a:t>8/22/2021</a:t>
             </a:fld>
             <a:endParaRPr lang="en-US"/>
           </a:p>
@@ -4486,7 +4486,7 @@
           <a:p>
             <a:fld id="{EEE7C04C-7AF8-1445-A186-502B631B934F}" type="datetimeFigureOut">
               <a:rPr lang="en-US" smtClean="0"/>
-              <a:t>7/9/20</a:t>
+              <a:t>8/22/2021</a:t>
             </a:fld>
             <a:endParaRPr lang="en-US"/>
           </a:p>
@@ -4693,7 +4693,7 @@
           <a:p>
             <a:fld id="{EEE7C04C-7AF8-1445-A186-502B631B934F}" type="datetimeFigureOut">
               <a:rPr lang="en-US" smtClean="0"/>
-              <a:t>7/9/20</a:t>
+              <a:t>8/22/2021</a:t>
             </a:fld>
             <a:endParaRPr lang="en-US"/>
           </a:p>
@@ -4774,6 +4774,54 @@
               <a:t>‹#›</a:t>
             </a:fld>
             <a:endParaRPr lang="en-US"/>
+          </a:p>
+        </p:txBody>
+      </p:sp>
+      <p:sp>
+        <p:nvSpPr>
+          <p:cNvPr id="7" name="MSIPCMContentMarking" descr="{&quot;HashCode&quot;:-1538819703,&quot;Placement&quot;:&quot;Header&quot;,&quot;Top&quot;:0.0,&quot;Left&quot;:0.0,&quot;SlideWidth&quot;:960,&quot;SlideHeight&quot;:540}">
+            <a:extLst>
+              <a:ext uri="{FF2B5EF4-FFF2-40B4-BE49-F238E27FC236}">
+                <a16:creationId xmlns:a16="http://schemas.microsoft.com/office/drawing/2014/main" id="{A3EF80CC-B6DD-400B-8675-964E29B1CACA}"/>
+              </a:ext>
+            </a:extLst>
+          </p:cNvPr>
+          <p:cNvSpPr txBox="1"/>
+          <p:nvPr userDrawn="1"/>
+        </p:nvSpPr>
+        <p:spPr>
+          <a:xfrm>
+            <a:off x="0" y="0"/>
+            <a:ext cx="1634581" cy="249198"/>
+          </a:xfrm>
+          <a:prstGeom prst="rect">
+            <a:avLst/>
+          </a:prstGeom>
+          <a:noFill/>
+        </p:spPr>
+        <p:txBody>
+          <a:bodyPr vert="horz" wrap="square" lIns="0" tIns="0" rIns="0" bIns="0" rtlCol="0" anchor="ctr" anchorCtr="1">
+            <a:spAutoFit/>
+          </a:bodyPr>
+          <a:lstStyle/>
+          <a:p>
+            <a:pPr algn="l">
+              <a:spcBef>
+                <a:spcPts val="0"/>
+              </a:spcBef>
+              <a:spcAft>
+                <a:spcPts val="0"/>
+              </a:spcAft>
+            </a:pPr>
+            <a:r>
+              <a:rPr lang="en-US" sz="1000">
+                <a:solidFill>
+                  <a:srgbClr val="0000FF"/>
+                </a:solidFill>
+                <a:latin typeface="Arial" panose="020B0604020202020204" pitchFamily="34" charset="0"/>
+              </a:rPr>
+              <a:t>[AMD Official Use Only]</a:t>
+            </a:r>
           </a:p>
         </p:txBody>
       </p:sp>
@@ -31430,14 +31478,14 @@
           </a:ln>
           <a:extLst>
             <a:ext uri="{909E8E84-426E-40dd-AFC4-6F175D3DCCD1}">
-              <a14:hiddenFill xmlns:a14="http://schemas.microsoft.com/office/drawing/2010/main" xmlns="">
+              <a14:hiddenFill xmlns="" xmlns:a14="http://schemas.microsoft.com/office/drawing/2010/main">
                 <a:solidFill>
                   <a:srgbClr val="FFFFFF"/>
                 </a:solidFill>
               </a14:hiddenFill>
             </a:ext>
             <a:ext uri="{91240B29-F687-4f45-9708-019B960494DF}">
-              <a14:hiddenLine xmlns:a14="http://schemas.microsoft.com/office/drawing/2010/main" xmlns="" w="9525">
+              <a14:hiddenLine xmlns="" xmlns:a14="http://schemas.microsoft.com/office/drawing/2010/main" w="9525">
                 <a:solidFill>
                   <a:srgbClr val="000000"/>
                 </a:solidFill>
